--- a/f24/assets/slides/lec11-error-correction-and-quiz.pptx
+++ b/f24/assets/slides/lec11-error-correction-and-quiz.pptx
@@ -129,15 +129,6 @@
     </p:ext>
   </p:extLst>
 </p:presentation>
-</file>
-
-<file path=ppt/revisionInfo.xml><?xml version="1.0" encoding="utf-8"?>
-<p1510:revInfo xmlns:a="http://schemas.openxmlformats.org/drawingml/2006/main" xmlns:r="http://schemas.openxmlformats.org/officeDocument/2006/relationships" xmlns:p1510="http://schemas.microsoft.com/office/powerpoint/2015/10/main">
-  <p1510:revLst>
-    <p1510:client id="{7D2832D4-58AE-B642-BE17-0ADE51943E52}" v="491" dt="2024-10-01T15:35:31.520"/>
-    <p1510:client id="{F3E637B5-720D-0F4E-9C5A-25337BF34D74}" v="3274" dt="2024-10-01T17:12:20.480"/>
-  </p1510:revLst>
-</p1510:revInfo>
 </file>
 
 <file path=ppt/ink/ink1.xml><?xml version="1.0" encoding="utf-8"?>
